--- a/week12.4.jwt/jwt.pptx
+++ b/week12.4.jwt/jwt.pptx
@@ -131,6 +131,11 @@
       </a:defRPr>
     </a:lvl9pPr>
   </p:defaultTextStyle>
+  <p:extLst>
+    <p:ext uri="{EFAFB233-063F-42B5-8137-9DF3F51BA10A}">
+      <p15:sldGuideLst xmlns:p15="http://schemas.microsoft.com/office/powerpoint/2012/main"/>
+    </p:ext>
+  </p:extLst>
 </p:presentation>
 </file>
 
@@ -216,7 +221,7 @@
           <a:p>
             <a:fld id="{A1E2ADF6-7757-4AE9-BC53-3A80780ADD1B}" type="datetimeFigureOut">
               <a:rPr lang="en-US" smtClean="0"/>
-              <a:t>30/05/2025</a:t>
+              <a:t>01/06/2025</a:t>
             </a:fld>
             <a:endParaRPr lang="en-US"/>
           </a:p>
@@ -1994,7 +1999,7 @@
           <a:p>
             <a:fld id="{7EF1AE0B-6002-413B-A674-468EB7BC695C}" type="datetime1">
               <a:rPr lang="en-US" smtClean="0"/>
-              <a:t>30/05/2025</a:t>
+              <a:t>01/06/2025</a:t>
             </a:fld>
             <a:endParaRPr lang="en-US"/>
           </a:p>
@@ -2164,7 +2169,7 @@
           <a:p>
             <a:fld id="{A8EB94CE-6ED2-4071-92C6-D6FFECBBD213}" type="datetime1">
               <a:rPr lang="en-US" smtClean="0"/>
-              <a:t>30/05/2025</a:t>
+              <a:t>01/06/2025</a:t>
             </a:fld>
             <a:endParaRPr lang="en-US"/>
           </a:p>
@@ -2344,7 +2349,7 @@
           <a:p>
             <a:fld id="{21DE9F23-5C66-48A1-BBD2-16119ED70AF9}" type="datetime1">
               <a:rPr lang="en-US" smtClean="0"/>
-              <a:t>30/05/2025</a:t>
+              <a:t>01/06/2025</a:t>
             </a:fld>
             <a:endParaRPr lang="en-US"/>
           </a:p>
@@ -2514,7 +2519,7 @@
           <a:p>
             <a:fld id="{451E443D-C1B5-4C8A-9DEC-29A138509BE1}" type="datetime1">
               <a:rPr lang="en-US" smtClean="0"/>
-              <a:t>30/05/2025</a:t>
+              <a:t>01/06/2025</a:t>
             </a:fld>
             <a:endParaRPr lang="en-US"/>
           </a:p>
@@ -2760,7 +2765,7 @@
           <a:p>
             <a:fld id="{FF52D03B-675A-46FC-B96D-582193D4CE1D}" type="datetime1">
               <a:rPr lang="en-US" smtClean="0"/>
-              <a:t>30/05/2025</a:t>
+              <a:t>01/06/2025</a:t>
             </a:fld>
             <a:endParaRPr lang="en-US"/>
           </a:p>
@@ -2992,7 +2997,7 @@
           <a:p>
             <a:fld id="{ACD5D1F2-C9B1-4C3C-B47A-4D748F62A877}" type="datetime1">
               <a:rPr lang="en-US" smtClean="0"/>
-              <a:t>30/05/2025</a:t>
+              <a:t>01/06/2025</a:t>
             </a:fld>
             <a:endParaRPr lang="en-US"/>
           </a:p>
@@ -3359,7 +3364,7 @@
           <a:p>
             <a:fld id="{28700B71-E3B3-4F93-90AD-6F7C3FF6752E}" type="datetime1">
               <a:rPr lang="en-US" smtClean="0"/>
-              <a:t>30/05/2025</a:t>
+              <a:t>01/06/2025</a:t>
             </a:fld>
             <a:endParaRPr lang="en-US"/>
           </a:p>
@@ -3477,7 +3482,7 @@
           <a:p>
             <a:fld id="{FBE43F92-5A04-4239-BE5C-D836E6010263}" type="datetime1">
               <a:rPr lang="en-US" smtClean="0"/>
-              <a:t>30/05/2025</a:t>
+              <a:t>01/06/2025</a:t>
             </a:fld>
             <a:endParaRPr lang="en-US"/>
           </a:p>
@@ -3572,7 +3577,7 @@
           <a:p>
             <a:fld id="{D7DB164E-D794-434E-A408-F8EF2CF0466C}" type="datetime1">
               <a:rPr lang="en-US" smtClean="0"/>
-              <a:t>30/05/2025</a:t>
+              <a:t>01/06/2025</a:t>
             </a:fld>
             <a:endParaRPr lang="en-US"/>
           </a:p>
@@ -3849,7 +3854,7 @@
           <a:p>
             <a:fld id="{E27AB189-9331-42E5-A338-A985C9CC0219}" type="datetime1">
               <a:rPr lang="en-US" smtClean="0"/>
-              <a:t>30/05/2025</a:t>
+              <a:t>01/06/2025</a:t>
             </a:fld>
             <a:endParaRPr lang="en-US"/>
           </a:p>
@@ -4102,7 +4107,7 @@
           <a:p>
             <a:fld id="{49D6FDBC-B7D6-4877-A5A9-04ADC1214D80}" type="datetime1">
               <a:rPr lang="en-US" smtClean="0"/>
-              <a:t>30/05/2025</a:t>
+              <a:t>01/06/2025</a:t>
             </a:fld>
             <a:endParaRPr lang="en-US"/>
           </a:p>
@@ -4315,7 +4320,7 @@
           <a:p>
             <a:fld id="{76955BE5-240B-4DD2-9C6F-01D81192F1E7}" type="datetime1">
               <a:rPr lang="en-US" smtClean="0"/>
-              <a:t>30/05/2025</a:t>
+              <a:t>01/06/2025</a:t>
             </a:fld>
             <a:endParaRPr lang="en-US"/>
           </a:p>
@@ -5057,7 +5062,7 @@
           <a:p>
             <a:fld id="{98B02362-FF16-4F2C-9FBE-322895BD046D}" type="datetime1">
               <a:rPr lang="en-US" smtClean="0"/>
-              <a:t>30/05/2025</a:t>
+              <a:t>01/06/2025</a:t>
             </a:fld>
             <a:r>
               <a:rPr lang="en-US" dirty="0" smtClean="0"/>
@@ -5273,7 +5278,7 @@
           <a:p>
             <a:fld id="{98B02362-FF16-4F2C-9FBE-322895BD046D}" type="datetime1">
               <a:rPr lang="en-US" smtClean="0"/>
-              <a:t>30/05/2025</a:t>
+              <a:t>01/06/2025</a:t>
             </a:fld>
             <a:r>
               <a:rPr lang="en-US" dirty="0" smtClean="0"/>
@@ -5439,7 +5444,7 @@
           <a:p>
             <a:fld id="{98B02362-FF16-4F2C-9FBE-322895BD046D}" type="datetime1">
               <a:rPr lang="en-US" smtClean="0"/>
-              <a:t>30/05/2025</a:t>
+              <a:t>01/06/2025</a:t>
             </a:fld>
             <a:r>
               <a:rPr lang="en-US" dirty="0" smtClean="0"/>
@@ -5679,7 +5684,7 @@
           <a:p>
             <a:fld id="{98B02362-FF16-4F2C-9FBE-322895BD046D}" type="datetime1">
               <a:rPr lang="en-US" smtClean="0"/>
-              <a:t>30/05/2025</a:t>
+              <a:t>01/06/2025</a:t>
             </a:fld>
             <a:r>
               <a:rPr lang="en-US" dirty="0" smtClean="0"/>
@@ -5881,7 +5886,7 @@
           <a:p>
             <a:fld id="{98B02362-FF16-4F2C-9FBE-322895BD046D}" type="datetime1">
               <a:rPr lang="en-US" smtClean="0"/>
-              <a:t>30/05/2025</a:t>
+              <a:t>01/06/2025</a:t>
             </a:fld>
             <a:r>
               <a:rPr lang="en-US" dirty="0" smtClean="0"/>
@@ -6090,7 +6095,7 @@
           <a:p>
             <a:fld id="{98B02362-FF16-4F2C-9FBE-322895BD046D}" type="datetime1">
               <a:rPr lang="en-US" smtClean="0"/>
-              <a:t>31/05/2025</a:t>
+              <a:t>01/06/2025</a:t>
             </a:fld>
             <a:r>
               <a:rPr lang="en-US" dirty="0" smtClean="0"/>
@@ -6485,7 +6490,7 @@
           <a:p>
             <a:fld id="{98B02362-FF16-4F2C-9FBE-322895BD046D}" type="datetime1">
               <a:rPr lang="en-US" smtClean="0"/>
-              <a:t>31/05/2025</a:t>
+              <a:t>01/06/2025</a:t>
             </a:fld>
             <a:r>
               <a:rPr lang="en-US" dirty="0" smtClean="0"/>
@@ -6753,7 +6758,7 @@
           <a:p>
             <a:fld id="{98B02362-FF16-4F2C-9FBE-322895BD046D}" type="datetime1">
               <a:rPr lang="en-US" smtClean="0"/>
-              <a:t>31/05/2025</a:t>
+              <a:t>01/06/2025</a:t>
             </a:fld>
             <a:r>
               <a:rPr lang="en-US" dirty="0" smtClean="0"/>
@@ -7041,7 +7046,7 @@
           <a:p>
             <a:fld id="{98B02362-FF16-4F2C-9FBE-322895BD046D}" type="datetime1">
               <a:rPr lang="en-US" smtClean="0"/>
-              <a:t>31/05/2025</a:t>
+              <a:t>01/06/2025</a:t>
             </a:fld>
             <a:r>
               <a:rPr lang="en-US" dirty="0" smtClean="0"/>
@@ -7144,7 +7149,6 @@
               <a:rPr lang="en-US" dirty="0" smtClean="0"/>
               <a:t>Does the website verify the signature?</a:t>
             </a:r>
-            <a:endParaRPr lang="en-US" dirty="0" smtClean="0"/>
           </a:p>
           <a:p>
             <a:pPr lvl="1"/>
@@ -7248,7 +7252,7 @@
           <a:p>
             <a:fld id="{98B02362-FF16-4F2C-9FBE-322895BD046D}" type="datetime1">
               <a:rPr lang="en-US" smtClean="0"/>
-              <a:t>31/05/2025</a:t>
+              <a:t>01/06/2025</a:t>
             </a:fld>
             <a:r>
               <a:rPr lang="en-US" dirty="0" smtClean="0"/>
@@ -7416,12 +7420,12 @@
               <a:t>Is the security key strong enough? Can we guess it, </a:t>
             </a:r>
             <a:r>
-              <a:rPr lang="en-US" dirty="0" err="1" smtClean="0"/>
-              <a:t>thencreate</a:t>
-            </a:r>
-            <a:r>
               <a:rPr lang="en-US" dirty="0" smtClean="0"/>
-              <a:t> the new payload remake the </a:t>
+              <a:t>then create </a:t>
+            </a:r>
+            <a:r>
+              <a:rPr lang="en-US" dirty="0" smtClean="0"/>
+              <a:t>the new payload remake the </a:t>
             </a:r>
             <a:r>
               <a:rPr lang="en-US" dirty="0" err="1" smtClean="0"/>
@@ -7443,7 +7447,6 @@
               <a:rPr lang="en-US" dirty="0" smtClean="0"/>
               <a:t>)</a:t>
             </a:r>
-            <a:endParaRPr lang="en-US" dirty="0" smtClean="0"/>
           </a:p>
           <a:p>
             <a:pPr marL="0" indent="0" algn="just">
@@ -7631,13 +7634,8 @@
             </a:r>
             <a:r>
               <a:rPr lang="en-US" dirty="0" smtClean="0"/>
-              <a:t>	</a:t>
-            </a:r>
-            <a:r>
-              <a:rPr lang="en-US" dirty="0" smtClean="0"/>
-              <a:t>Pros and Cons, </a:t>
-            </a:r>
-            <a:endParaRPr lang="en-US" dirty="0" smtClean="0"/>
+              <a:t>	Pros and Cons, </a:t>
+            </a:r>
           </a:p>
           <a:p>
             <a:pPr marL="457200" lvl="1" indent="0">
@@ -7657,11 +7655,7 @@
             </a:r>
             <a:r>
               <a:rPr lang="en-US" dirty="0"/>
-              <a:t>}</a:t>
-            </a:r>
-            <a:r>
-              <a:rPr lang="en-US" dirty="0"/>
-              <a:t>	</a:t>
+              <a:t>}	</a:t>
             </a:r>
           </a:p>
           <a:p>
@@ -7757,7 +7751,7 @@
           <a:p>
             <a:fld id="{451E443D-C1B5-4C8A-9DEC-29A138509BE1}" type="datetime1">
               <a:rPr lang="en-US" smtClean="0"/>
-              <a:t>30/05/2025</a:t>
+              <a:t>01/06/2025</a:t>
             </a:fld>
             <a:endParaRPr lang="en-US"/>
           </a:p>
@@ -7871,7 +7865,7 @@
           <a:p>
             <a:fld id="{98B02362-FF16-4F2C-9FBE-322895BD046D}" type="datetime1">
               <a:rPr lang="en-US" smtClean="0"/>
-              <a:t>31/05/2025</a:t>
+              <a:t>01/06/2025</a:t>
             </a:fld>
             <a:r>
               <a:rPr lang="en-US" dirty="0" smtClean="0"/>
@@ -8198,7 +8192,7 @@
           <a:p>
             <a:fld id="{98B02362-FF16-4F2C-9FBE-322895BD046D}" type="datetime1">
               <a:rPr lang="en-US" smtClean="0"/>
-              <a:t>31/05/2025</a:t>
+              <a:t>01/06/2025</a:t>
             </a:fld>
             <a:r>
               <a:rPr lang="en-US" dirty="0" smtClean="0"/>
@@ -8291,7 +8285,6 @@
               <a:rPr lang="en-US" b="1" dirty="0" smtClean="0"/>
               <a:t>JOSE headers:</a:t>
             </a:r>
-            <a:endParaRPr lang="en-US" b="1" dirty="0" smtClean="0"/>
           </a:p>
         </p:txBody>
       </p:sp>
@@ -8428,7 +8421,7 @@
           <a:p>
             <a:fld id="{98B02362-FF16-4F2C-9FBE-322895BD046D}" type="datetime1">
               <a:rPr lang="en-US" smtClean="0"/>
-              <a:t>31/05/2025</a:t>
+              <a:t>01/06/2025</a:t>
             </a:fld>
             <a:r>
               <a:rPr lang="en-US" dirty="0" smtClean="0"/>
@@ -8629,7 +8622,7 @@
           <a:p>
             <a:fld id="{98B02362-FF16-4F2C-9FBE-322895BD046D}" type="datetime1">
               <a:rPr lang="en-US" smtClean="0"/>
-              <a:t>31/05/2025</a:t>
+              <a:t>01/06/2025</a:t>
             </a:fld>
             <a:r>
               <a:rPr lang="en-US" dirty="0" smtClean="0"/>
@@ -8998,7 +8991,7 @@
           <a:p>
             <a:fld id="{98B02362-FF16-4F2C-9FBE-322895BD046D}" type="datetime1">
               <a:rPr lang="en-US" smtClean="0"/>
-              <a:t>31/05/2025</a:t>
+              <a:t>01/06/2025</a:t>
             </a:fld>
             <a:r>
               <a:rPr lang="en-US" dirty="0" smtClean="0"/>
@@ -9281,7 +9274,7 @@
           <a:p>
             <a:fld id="{451E443D-C1B5-4C8A-9DEC-29A138509BE1}" type="datetime1">
               <a:rPr lang="en-US" smtClean="0"/>
-              <a:t>30/05/2025</a:t>
+              <a:t>01/06/2025</a:t>
             </a:fld>
             <a:endParaRPr lang="en-US"/>
           </a:p>
@@ -9410,7 +9403,7 @@
           <a:p>
             <a:fld id="{98B02362-FF16-4F2C-9FBE-322895BD046D}" type="datetime1">
               <a:rPr lang="en-US" smtClean="0"/>
-              <a:t>30/05/2025</a:t>
+              <a:t>01/06/2025</a:t>
             </a:fld>
             <a:r>
               <a:rPr lang="en-US" dirty="0" smtClean="0"/>
@@ -9599,7 +9592,7 @@
           <a:p>
             <a:fld id="{98B02362-FF16-4F2C-9FBE-322895BD046D}" type="datetime1">
               <a:rPr lang="en-US" smtClean="0"/>
-              <a:t>30/05/2025</a:t>
+              <a:t>01/06/2025</a:t>
             </a:fld>
             <a:r>
               <a:rPr lang="en-US" dirty="0" smtClean="0"/>
@@ -9821,7 +9814,7 @@
           <a:p>
             <a:fld id="{98B02362-FF16-4F2C-9FBE-322895BD046D}" type="datetime1">
               <a:rPr lang="en-US" smtClean="0"/>
-              <a:t>30/05/2025</a:t>
+              <a:t>01/06/2025</a:t>
             </a:fld>
             <a:r>
               <a:rPr lang="en-US" dirty="0" smtClean="0"/>
@@ -10017,7 +10010,7 @@
           <a:p>
             <a:fld id="{98B02362-FF16-4F2C-9FBE-322895BD046D}" type="datetime1">
               <a:rPr lang="en-US" smtClean="0"/>
-              <a:t>30/05/2025</a:t>
+              <a:t>01/06/2025</a:t>
             </a:fld>
             <a:r>
               <a:rPr lang="en-US" dirty="0" smtClean="0"/>
@@ -10260,7 +10253,7 @@
           <a:p>
             <a:fld id="{98B02362-FF16-4F2C-9FBE-322895BD046D}" type="datetime1">
               <a:rPr lang="en-US" smtClean="0"/>
-              <a:t>30/05/2025</a:t>
+              <a:t>01/06/2025</a:t>
             </a:fld>
             <a:r>
               <a:rPr lang="en-US" dirty="0" smtClean="0"/>
@@ -10592,7 +10585,7 @@
           <a:p>
             <a:fld id="{98B02362-FF16-4F2C-9FBE-322895BD046D}" type="datetime1">
               <a:rPr lang="en-US" smtClean="0"/>
-              <a:t>30/05/2025</a:t>
+              <a:t>01/06/2025</a:t>
             </a:fld>
             <a:r>
               <a:rPr lang="en-US" dirty="0" smtClean="0"/>
@@ -10951,7 +10944,7 @@
           <a:p>
             <a:fld id="{98B02362-FF16-4F2C-9FBE-322895BD046D}" type="datetime1">
               <a:rPr lang="en-US" smtClean="0"/>
-              <a:t>30/05/2025</a:t>
+              <a:t>01/06/2025</a:t>
             </a:fld>
             <a:r>
               <a:rPr lang="en-US" dirty="0" smtClean="0"/>
